--- a/Images/AED_final.pptx
+++ b/Images/AED_final.pptx
@@ -123,6 +123,35 @@
     </p:ext>
   </p:extLst>
 </p:presentation>
+</file>
+
+<file path=ppt/changesInfos/changesInfo1.xml><?xml version="1.0" encoding="utf-8"?>
+<pc:chgInfo xmlns:a="http://schemas.openxmlformats.org/drawingml/2006/main" xmlns:r="http://schemas.openxmlformats.org/officeDocument/2006/relationships" xmlns:ac="http://schemas.microsoft.com/office/drawing/2013/main/command" xmlns:pc="http://schemas.microsoft.com/office/powerpoint/2013/main/command">
+  <pc:docChgLst>
+    <pc:chgData name="Antiya, Mainesh Kantibhai" userId="61058f43-09b1-42ef-a497-5a24d9953a68" providerId="ADAL" clId="{49F4299C-F7BE-4DBA-BBC8-15F5138550F1}"/>
+    <pc:docChg chg="modSld">
+      <pc:chgData name="Antiya, Mainesh Kantibhai" userId="61058f43-09b1-42ef-a497-5a24d9953a68" providerId="ADAL" clId="{49F4299C-F7BE-4DBA-BBC8-15F5138550F1}" dt="2022-05-02T03:36:38.630" v="14" actId="20577"/>
+      <pc:docMkLst>
+        <pc:docMk/>
+      </pc:docMkLst>
+      <pc:sldChg chg="modSp mod">
+        <pc:chgData name="Antiya, Mainesh Kantibhai" userId="61058f43-09b1-42ef-a497-5a24d9953a68" providerId="ADAL" clId="{49F4299C-F7BE-4DBA-BBC8-15F5138550F1}" dt="2022-05-02T03:36:38.630" v="14" actId="20577"/>
+        <pc:sldMkLst>
+          <pc:docMk/>
+          <pc:sldMk cId="1598102071" sldId="256"/>
+        </pc:sldMkLst>
+        <pc:spChg chg="mod">
+          <ac:chgData name="Antiya, Mainesh Kantibhai" userId="61058f43-09b1-42ef-a497-5a24d9953a68" providerId="ADAL" clId="{49F4299C-F7BE-4DBA-BBC8-15F5138550F1}" dt="2022-05-02T03:36:38.630" v="14" actId="20577"/>
+          <ac:spMkLst>
+            <pc:docMk/>
+            <pc:sldMk cId="1598102071" sldId="256"/>
+            <ac:spMk id="2" creationId="{FD595223-42D6-D90A-FB5A-776D81001B64}"/>
+          </ac:spMkLst>
+        </pc:spChg>
+      </pc:sldChg>
+    </pc:docChg>
+  </pc:docChgLst>
+</pc:chgInfo>
 </file>
 
 <file path=ppt/diagrams/colors1.xml><?xml version="1.0" encoding="utf-8"?>
@@ -4950,8 +4979,8 @@
     <dgm:cxn modelId="{B3EE7A23-D131-0B44-9359-CC06DCA698B8}" srcId="{C3DC1D0B-5A31-4C4A-8337-9F5EA7E769D9}" destId="{5179460D-9755-A44B-8A27-3B07FCDB9828}" srcOrd="4" destOrd="0" parTransId="{CD4E9BD5-BC41-B449-852F-046468450B1A}" sibTransId="{F12F613E-8597-E64E-B84E-682D7092AD5A}"/>
     <dgm:cxn modelId="{FEF1232E-E1D8-1142-9917-9A267F66C0FB}" type="presOf" srcId="{5179460D-9755-A44B-8A27-3B07FCDB9828}" destId="{9BE7CAE0-FC24-8644-BA55-7F20D4E2E31F}" srcOrd="0" destOrd="0" presId="urn:microsoft.com/office/officeart/2008/layout/VerticalCurvedList"/>
     <dgm:cxn modelId="{77FE7446-54A3-1C42-85CA-0CE889C36CA9}" srcId="{C3DC1D0B-5A31-4C4A-8337-9F5EA7E769D9}" destId="{9DC6BBB2-5B32-174B-8DB0-3213B65D2028}" srcOrd="3" destOrd="0" parTransId="{EDA899EC-1D93-E14C-89FC-C4E1E9BF41DD}" sibTransId="{DBCBF659-8A78-1043-AF3A-43E003E5066F}"/>
+    <dgm:cxn modelId="{1181A26F-F6BA-874D-8BC3-F1683433BB7A}" srcId="{C3DC1D0B-5A31-4C4A-8337-9F5EA7E769D9}" destId="{3189DC42-ADBA-784A-BD12-974877031283}" srcOrd="0" destOrd="0" parTransId="{819922EC-3E22-C24D-B158-44C336E1552E}" sibTransId="{85717F1E-4456-6947-B4AD-90180B89D249}"/>
     <dgm:cxn modelId="{E8E77852-3FE2-7A4F-BBB4-FE74D26D999D}" type="presOf" srcId="{C3DC1D0B-5A31-4C4A-8337-9F5EA7E769D9}" destId="{47F3CAD9-F2BC-BB43-885A-FB508E7FAB4C}" srcOrd="0" destOrd="0" presId="urn:microsoft.com/office/officeart/2008/layout/VerticalCurvedList"/>
-    <dgm:cxn modelId="{1181A26F-F6BA-874D-8BC3-F1683433BB7A}" srcId="{C3DC1D0B-5A31-4C4A-8337-9F5EA7E769D9}" destId="{3189DC42-ADBA-784A-BD12-974877031283}" srcOrd="0" destOrd="0" parTransId="{819922EC-3E22-C24D-B158-44C336E1552E}" sibTransId="{85717F1E-4456-6947-B4AD-90180B89D249}"/>
     <dgm:cxn modelId="{B364B099-0B3E-C041-8439-8C973853C38B}" type="presOf" srcId="{9DC6BBB2-5B32-174B-8DB0-3213B65D2028}" destId="{454B4444-9053-C548-877D-B1ED61B055A9}" srcOrd="0" destOrd="0" presId="urn:microsoft.com/office/officeart/2008/layout/VerticalCurvedList"/>
     <dgm:cxn modelId="{75A7A0B9-4681-6A41-96DF-20F646364CF0}" srcId="{C3DC1D0B-5A31-4C4A-8337-9F5EA7E769D9}" destId="{5B73164C-9109-D44D-97DB-B3D9725D8F96}" srcOrd="2" destOrd="0" parTransId="{A74C040C-ACF0-7843-993F-269E7786F97C}" sibTransId="{A713846B-8061-D446-BAC0-0C52D3C93ECB}"/>
     <dgm:cxn modelId="{47E017BD-ABAF-3946-BA8A-5885BAFF9490}" type="presOf" srcId="{3189DC42-ADBA-784A-BD12-974877031283}" destId="{E79401E8-0B18-FA4B-9736-A24F9BAFEE7D}" srcOrd="0" destOrd="0" presId="urn:microsoft.com/office/officeart/2008/layout/VerticalCurvedList"/>
@@ -5793,8 +5822,8 @@
     <dgm:cxn modelId="{3CE02C28-1E9C-1141-B587-2C1C51A2580F}" type="presOf" srcId="{E899DDBC-3BC1-5A45-BB90-2B863F27A54A}" destId="{0C43D16F-7A97-494D-929C-725EBEC9DAC2}" srcOrd="0" destOrd="4" presId="urn:microsoft.com/office/officeart/2005/8/layout/hList1"/>
     <dgm:cxn modelId="{8E12323F-AA61-7F49-A639-309A2229A7D9}" srcId="{A16645BC-3D7B-374E-8C74-554196AB67C9}" destId="{BEAB8151-E8A6-8C49-964F-0A0BE2E7E790}" srcOrd="0" destOrd="0" parTransId="{0FCF5795-A5AC-7842-B4C6-337BFFA1840A}" sibTransId="{63C88460-D4C0-E449-B8F2-E8DEE11D0C04}"/>
     <dgm:cxn modelId="{A189B83F-C044-7349-86D2-1F1BA5C25BE7}" srcId="{CB8B1547-B9C0-2146-BF42-9312648F24A7}" destId="{DF26D7AA-8357-0A40-AD74-BAB2C2D30B3B}" srcOrd="2" destOrd="0" parTransId="{87668F9E-2653-C845-8FF1-29DA912A78F9}" sibTransId="{DFF6855F-8256-8740-8AA0-022830882D2A}"/>
+    <dgm:cxn modelId="{7DF84B5B-6EF4-C74C-AB52-47A89F9DA112}" type="presOf" srcId="{BEAB8151-E8A6-8C49-964F-0A0BE2E7E790}" destId="{EF4765BF-B308-3446-B731-1D3CF8359527}" srcOrd="0" destOrd="0" presId="urn:microsoft.com/office/officeart/2005/8/layout/hList1"/>
     <dgm:cxn modelId="{D33F9647-31A7-8645-8B5D-07D5146A0FAE}" srcId="{A16645BC-3D7B-374E-8C74-554196AB67C9}" destId="{CB8B1547-B9C0-2146-BF42-9312648F24A7}" srcOrd="1" destOrd="0" parTransId="{58452321-73D9-FE43-B04C-CD4F4E74FC6D}" sibTransId="{5A975D86-4B64-5C4C-9BF9-5E25F12D3FA7}"/>
-    <dgm:cxn modelId="{7DF84B5B-6EF4-C74C-AB52-47A89F9DA112}" type="presOf" srcId="{BEAB8151-E8A6-8C49-964F-0A0BE2E7E790}" destId="{EF4765BF-B308-3446-B731-1D3CF8359527}" srcOrd="0" destOrd="0" presId="urn:microsoft.com/office/officeart/2005/8/layout/hList1"/>
     <dgm:cxn modelId="{3836DA72-E208-864E-A8A4-9773C3C76461}" srcId="{CB8B1547-B9C0-2146-BF42-9312648F24A7}" destId="{C663CB92-FE59-134B-BE08-538AD31E3966}" srcOrd="0" destOrd="0" parTransId="{C7D9B5FD-46A4-AA4B-B482-2F3E0010024D}" sibTransId="{CB120CBC-DF2E-AD47-897D-CB7675391173}"/>
     <dgm:cxn modelId="{88357D95-C4A0-C547-A4FB-56A67B7E833F}" type="presOf" srcId="{3009F339-1CE1-4449-9737-0E55DBAEFDC0}" destId="{0C43D16F-7A97-494D-929C-725EBEC9DAC2}" srcOrd="0" destOrd="3" presId="urn:microsoft.com/office/officeart/2005/8/layout/hList1"/>
     <dgm:cxn modelId="{AB2D369A-66B7-CA47-93CB-35D6A74E0717}" srcId="{CB8B1547-B9C0-2146-BF42-9312648F24A7}" destId="{3009F339-1CE1-4449-9737-0E55DBAEFDC0}" srcOrd="3" destOrd="0" parTransId="{5774F0DF-5C54-BF40-940A-8ED46668C41E}" sibTransId="{4FC20218-356A-0B48-8996-6F2A2BA2F401}"/>
@@ -6067,9 +6096,9 @@
   </dgm:ptLst>
   <dgm:cxnLst>
     <dgm:cxn modelId="{4C9AE611-C346-E349-A8FA-67479A6794B5}" type="presOf" srcId="{8C980BDC-5E19-F14E-9E81-BC904F6532D7}" destId="{8EE12B27-F086-8F49-9ADF-4CB0FC46662F}" srcOrd="0" destOrd="0" presId="urn:microsoft.com/office/officeart/2009/layout/CircleArrowProcess"/>
+    <dgm:cxn modelId="{52A36B6C-2AB5-084E-866E-FEEACA8EBA19}" type="presOf" srcId="{4E98524C-5477-2B4D-827C-9DED1C3542D0}" destId="{AD4232DE-D369-4943-B5B9-1398588F03F1}" srcOrd="0" destOrd="0" presId="urn:microsoft.com/office/officeart/2009/layout/CircleArrowProcess"/>
     <dgm:cxn modelId="{45D4D250-CB48-2A4F-8AA7-2DFEF064864D}" srcId="{15CA1622-3F64-4B4B-9498-E0097AE8B27E}" destId="{1C76A101-8ECC-F540-8A0F-B3BF4BF1D54B}" srcOrd="1" destOrd="0" parTransId="{DCA31C18-319C-C74D-A0B0-AF4B49372494}" sibTransId="{92287ADB-A9E1-9F4D-A3C5-AB9B2251666B}"/>
     <dgm:cxn modelId="{EC370C55-97E7-8744-A8B4-027B128855A7}" srcId="{15CA1622-3F64-4B4B-9498-E0097AE8B27E}" destId="{8C980BDC-5E19-F14E-9E81-BC904F6532D7}" srcOrd="3" destOrd="0" parTransId="{8BE1410E-4D01-9042-BBC6-75F6B276089B}" sibTransId="{577A1940-B119-C747-9B56-171805C85DE5}"/>
-    <dgm:cxn modelId="{52A36B6C-2AB5-084E-866E-FEEACA8EBA19}" type="presOf" srcId="{4E98524C-5477-2B4D-827C-9DED1C3542D0}" destId="{AD4232DE-D369-4943-B5B9-1398588F03F1}" srcOrd="0" destOrd="0" presId="urn:microsoft.com/office/officeart/2009/layout/CircleArrowProcess"/>
     <dgm:cxn modelId="{5AFA8186-C0CB-2645-815B-6437DE9B524A}" type="presOf" srcId="{15CA1622-3F64-4B4B-9498-E0097AE8B27E}" destId="{CFCAE068-5284-D94A-B040-E95492D32731}" srcOrd="0" destOrd="0" presId="urn:microsoft.com/office/officeart/2009/layout/CircleArrowProcess"/>
     <dgm:cxn modelId="{800CAE8F-7E7D-6949-B091-5EAEA83A5FD2}" srcId="{15CA1622-3F64-4B4B-9498-E0097AE8B27E}" destId="{4E98524C-5477-2B4D-827C-9DED1C3542D0}" srcOrd="2" destOrd="0" parTransId="{A2EDD4AB-F56C-1A44-AF3D-2E9106D0E21F}" sibTransId="{126D27F7-B201-BF4E-BE1C-D162395BA9AF}"/>
     <dgm:cxn modelId="{A6F1F398-068F-0D42-823D-615322831269}" type="presOf" srcId="{1C76A101-8ECC-F540-8A0F-B3BF4BF1D54B}" destId="{0B38C5E3-FDC4-644C-B232-D1ED5C4AB6BE}" srcOrd="0" destOrd="0" presId="urn:microsoft.com/office/officeart/2009/layout/CircleArrowProcess"/>
@@ -6679,8 +6708,8 @@
     </dgm:pt>
   </dgm:ptLst>
   <dgm:cxnLst>
+    <dgm:cxn modelId="{82F2F269-71CA-3D48-9E13-D6CE8B82F096}" srcId="{17A0D66E-1314-6B45-84E6-0CEBEA7E8043}" destId="{4EE63A1B-5698-464A-80EF-968AE3751AEE}" srcOrd="1" destOrd="0" parTransId="{73A44B5C-6923-7640-8254-829A098607C3}" sibTransId="{FAFAD815-87F8-4A45-904E-165517A44091}"/>
     <dgm:cxn modelId="{62293D59-8F4F-5E4D-9E8A-DCCD4F548241}" type="presOf" srcId="{4EE63A1B-5698-464A-80EF-968AE3751AEE}" destId="{05A0BD17-52FC-C342-A0BA-FAB085768839}" srcOrd="0" destOrd="0" presId="urn:microsoft.com/office/officeart/2005/8/layout/chevron1"/>
-    <dgm:cxn modelId="{82F2F269-71CA-3D48-9E13-D6CE8B82F096}" srcId="{17A0D66E-1314-6B45-84E6-0CEBEA7E8043}" destId="{4EE63A1B-5698-464A-80EF-968AE3751AEE}" srcOrd="1" destOrd="0" parTransId="{73A44B5C-6923-7640-8254-829A098607C3}" sibTransId="{FAFAD815-87F8-4A45-904E-165517A44091}"/>
     <dgm:cxn modelId="{30952F86-4080-5C4A-928A-7ACF828D702F}" srcId="{17A0D66E-1314-6B45-84E6-0CEBEA7E8043}" destId="{75718ACB-A754-E74B-BEF6-A153E14AFE0C}" srcOrd="0" destOrd="0" parTransId="{5B2DC193-EF37-4046-A7A7-E040A84A2EB5}" sibTransId="{09D75C57-1D7D-1742-9366-F6C608E39CBA}"/>
     <dgm:cxn modelId="{3014D8B6-9176-364A-A8E5-DAD4D8221533}" type="presOf" srcId="{17A0D66E-1314-6B45-84E6-0CEBEA7E8043}" destId="{9202053C-AFA2-9F42-A96A-E2381682198B}" srcOrd="0" destOrd="0" presId="urn:microsoft.com/office/officeart/2005/8/layout/chevron1"/>
     <dgm:cxn modelId="{51BCB2C5-5E47-4747-BAC4-F70DD9D05006}" type="presOf" srcId="{93F2073C-348F-B049-A7A5-55B42D63DF4C}" destId="{A306607F-5E9D-5948-85B4-4B4B58DF40F5}" srcOrd="0" destOrd="0" presId="urn:microsoft.com/office/officeart/2005/8/layout/chevron1"/>
@@ -20355,7 +20384,7 @@
           <a:p>
             <a:fld id="{9AB3A824-1A51-4B26-AD58-A6D8E14F6C04}" type="datetimeFigureOut">
               <a:rPr lang="en-US" smtClean="0"/>
-              <a:t>4/30/22</a:t>
+              <a:t>5/1/2022</a:t>
             </a:fld>
             <a:endParaRPr lang="en-US" dirty="0"/>
           </a:p>
@@ -20695,7 +20724,7 @@
           <a:p>
             <a:fld id="{D857E33E-8B18-4087-B112-809917729534}" type="datetimeFigureOut">
               <a:rPr lang="en-US" smtClean="0"/>
-              <a:t>4/30/22</a:t>
+              <a:t>5/1/2022</a:t>
             </a:fld>
             <a:endParaRPr lang="en-US" dirty="0"/>
           </a:p>
@@ -21003,7 +21032,7 @@
           <a:p>
             <a:fld id="{D3FFE419-2371-464F-8239-3959401C3561}" type="datetimeFigureOut">
               <a:rPr lang="en-US" smtClean="0"/>
-              <a:t>4/30/22</a:t>
+              <a:t>5/1/2022</a:t>
             </a:fld>
             <a:endParaRPr lang="en-US" dirty="0"/>
           </a:p>
@@ -21256,7 +21285,7 @@
           <a:p>
             <a:fld id="{97D162C4-EDD9-4389-A98B-B87ECEA2A816}" type="datetimeFigureOut">
               <a:rPr lang="en-US" smtClean="0"/>
-              <a:t>4/30/22</a:t>
+              <a:t>5/1/2022</a:t>
             </a:fld>
             <a:endParaRPr lang="en-US" dirty="0"/>
           </a:p>
@@ -21669,7 +21698,7 @@
           <a:p>
             <a:fld id="{3E5059C3-6A89-4494-99FF-5A4D6FFD50EB}" type="datetimeFigureOut">
               <a:rPr lang="en-US" smtClean="0"/>
-              <a:t>4/30/22</a:t>
+              <a:t>5/1/2022</a:t>
             </a:fld>
             <a:endParaRPr lang="en-US" dirty="0"/>
           </a:p>
@@ -21989,7 +22018,7 @@
           <a:p>
             <a:fld id="{CA954B2F-12DE-47F5-8894-472B206D2E1E}" type="datetimeFigureOut">
               <a:rPr lang="en-US" smtClean="0"/>
-              <a:t>4/30/22</a:t>
+              <a:t>5/1/2022</a:t>
             </a:fld>
             <a:endParaRPr lang="en-US" dirty="0"/>
           </a:p>
@@ -22539,7 +22568,7 @@
           <a:p>
             <a:fld id="{3F30E46F-7819-4ACF-B48B-48222C2ACC88}" type="datetimeFigureOut">
               <a:rPr lang="en-US" smtClean="0"/>
-              <a:t>4/30/22</a:t>
+              <a:t>5/1/2022</a:t>
             </a:fld>
             <a:endParaRPr lang="en-US" dirty="0"/>
           </a:p>
@@ -22740,7 +22769,7 @@
           <a:p>
             <a:fld id="{1FAF3416-4057-4DAA-829D-4CA07428D088}" type="datetimeFigureOut">
               <a:rPr lang="en-US" smtClean="0"/>
-              <a:t>4/30/22</a:t>
+              <a:t>5/1/2022</a:t>
             </a:fld>
             <a:endParaRPr lang="en-US" dirty="0"/>
           </a:p>
@@ -22959,7 +22988,7 @@
           <a:p>
             <a:fld id="{921D9284-D300-4297-87F7-E791DCC15DB1}" type="datetimeFigureOut">
               <a:rPr lang="en-US" smtClean="0"/>
-              <a:t>4/30/22</a:t>
+              <a:t>5/1/2022</a:t>
             </a:fld>
             <a:endParaRPr lang="en-US" dirty="0"/>
           </a:p>
@@ -23334,7 +23363,7 @@
           <a:p>
             <a:fld id="{37D525BB-DA17-4BA0-B3C8-3AC3ABC827E6}" type="datetimeFigureOut">
               <a:rPr lang="en-US" smtClean="0"/>
-              <a:t>4/30/22</a:t>
+              <a:t>5/1/2022</a:t>
             </a:fld>
             <a:endParaRPr lang="en-US" dirty="0"/>
           </a:p>
@@ -23743,7 +23772,7 @@
           <a:p>
             <a:fld id="{B16C4C9A-3960-41CF-A4E9-2A8FB932454B}" type="datetimeFigureOut">
               <a:rPr lang="en-US" smtClean="0"/>
-              <a:t>4/30/22</a:t>
+              <a:t>5/1/2022</a:t>
             </a:fld>
             <a:endParaRPr lang="en-US" dirty="0"/>
           </a:p>
@@ -24060,7 +24089,7 @@
           <a:p>
             <a:fld id="{3CBC1C18-307B-4F68-A007-B5B542270E8D}" type="datetimeFigureOut">
               <a:rPr lang="en-US" smtClean="0"/>
-              <a:t>4/30/22</a:t>
+              <a:t>5/1/2022</a:t>
             </a:fld>
             <a:endParaRPr lang="en-US" dirty="0"/>
           </a:p>
@@ -25447,7 +25476,7 @@
               <a:rPr lang="en-US" sz="2000" dirty="0">
                 <a:latin typeface="+mn-lt"/>
               </a:rPr>
-              <a:t>Dimple Patel</a:t>
+              <a:t>Dimpleben Kanjibhai Patel</a:t>
             </a:r>
             <a:br>
               <a:rPr lang="en-US" sz="2000" dirty="0">
